--- a/Week07/MoreHtml.pptx
+++ b/Week07/MoreHtml.pptx
@@ -212,7 +212,7 @@
           <a:p>
             <a:fld id="{19104133-B5B0-4351-8158-4F0E5EB1E2BF}" type="datetimeFigureOut">
               <a:rPr lang="en-US" smtClean="0"/>
-              <a:t>3/23/2020</a:t>
+              <a:t>3/18/2022</a:t>
             </a:fld>
             <a:endParaRPr lang="en-US"/>
           </a:p>
@@ -276,38 +276,37 @@
           <a:p>
             <a:pPr lvl="0"/>
             <a:r>
-              <a:rPr lang="en-US" smtClean="0"/>
+              <a:rPr lang="en-US"/>
               <a:t>Edit Master text styles</a:t>
             </a:r>
           </a:p>
           <a:p>
             <a:pPr lvl="1"/>
             <a:r>
-              <a:rPr lang="en-US" smtClean="0"/>
+              <a:rPr lang="en-US"/>
               <a:t>Second level</a:t>
             </a:r>
           </a:p>
           <a:p>
             <a:pPr lvl="2"/>
             <a:r>
-              <a:rPr lang="en-US" smtClean="0"/>
+              <a:rPr lang="en-US"/>
               <a:t>Third level</a:t>
             </a:r>
           </a:p>
           <a:p>
             <a:pPr lvl="3"/>
             <a:r>
-              <a:rPr lang="en-US" smtClean="0"/>
+              <a:rPr lang="en-US"/>
               <a:t>Fourth level</a:t>
             </a:r>
           </a:p>
           <a:p>
             <a:pPr lvl="4"/>
             <a:r>
-              <a:rPr lang="en-US" smtClean="0"/>
+              <a:rPr lang="en-US"/>
               <a:t>Fifth level</a:t>
             </a:r>
-            <a:endParaRPr lang="en-US"/>
           </a:p>
         </p:txBody>
       </p:sp>
@@ -525,34 +524,29 @@
           <a:lstStyle/>
           <a:p>
             <a:r>
-              <a:rPr lang="en-US" dirty="0" smtClean="0"/>
+              <a:rPr lang="en-US" dirty="0"/>
               <a:t>For the </a:t>
             </a:r>
             <a:r>
-              <a:rPr lang="en-US" dirty="0" err="1" smtClean="0"/>
+              <a:rPr lang="en-US" dirty="0" err="1"/>
               <a:t>Repl</a:t>
             </a:r>
             <a:r>
-              <a:rPr lang="en-US" dirty="0" smtClean="0"/>
+              <a:rPr lang="en-US" dirty="0"/>
               <a:t>,</a:t>
             </a:r>
             <a:r>
-              <a:rPr lang="en-US" baseline="0" dirty="0" smtClean="0"/>
-              <a:t> </a:t>
+              <a:rPr lang="en-US" baseline="0" dirty="0"/>
+              <a:t> emphasize that the </a:t>
             </a:r>
             <a:r>
-              <a:rPr lang="en-US" baseline="0" dirty="0" smtClean="0"/>
-              <a:t>emphasize that the </a:t>
-            </a:r>
-            <a:r>
-              <a:rPr lang="en-US" b="1" baseline="0" dirty="0" smtClean="0"/>
+              <a:rPr lang="en-US" b="1" baseline="0" dirty="0"/>
               <a:t>span</a:t>
             </a:r>
             <a:r>
-              <a:rPr lang="en-US" baseline="0" dirty="0" smtClean="0"/>
+              <a:rPr lang="en-US" baseline="0" dirty="0"/>
               <a:t> element does not change much. It allows the CSS to style one part of the paragraph.</a:t>
             </a:r>
-            <a:endParaRPr lang="en-US" baseline="0" dirty="0" smtClean="0"/>
           </a:p>
         </p:txBody>
       </p:sp>
@@ -637,11 +631,11 @@
           <a:lstStyle/>
           <a:p>
             <a:r>
-              <a:rPr lang="en-US" dirty="0" smtClean="0"/>
+              <a:rPr lang="en-US" dirty="0"/>
               <a:t>Ask the students to guess how this will</a:t>
             </a:r>
             <a:r>
-              <a:rPr lang="en-US" baseline="0" dirty="0" smtClean="0"/>
+              <a:rPr lang="en-US" baseline="0" dirty="0"/>
               <a:t> appear. It will be two boxes, a red one on top of a black one.</a:t>
             </a:r>
             <a:endParaRPr lang="en-US" dirty="0"/>
@@ -824,15 +818,7 @@
           <a:p>
             <a:r>
               <a:rPr lang="en-US" dirty="0"/>
-              <a:t>Click to edit Master </a:t>
-            </a:r>
-            <a:r>
-              <a:rPr lang="en-US" dirty="0" smtClean="0"/>
-              <a:t>subtitle </a:t>
-            </a:r>
-            <a:r>
-              <a:rPr lang="en-US" dirty="0"/>
-              <a:t>style</a:t>
+              <a:t>Click to edit Master subtitle style</a:t>
             </a:r>
           </a:p>
         </p:txBody>
@@ -874,7 +860,7 @@
             <a:fld id="{1C2D31DE-C454-491C-B5C3-F097855E3DF7}" type="datetime4">
               <a:rPr lang="en-US" smtClean="0"/>
               <a:pPr/>
-              <a:t>March 23, 2020</a:t>
+              <a:t>March 18, 2022</a:t>
             </a:fld>
             <a:endParaRPr lang="en-US" dirty="0"/>
           </a:p>
@@ -3948,17 +3934,16 @@
           <a:p>
             <a:pPr lvl="0"/>
             <a:r>
-              <a:rPr lang="en-US" dirty="0" smtClean="0"/>
+              <a:rPr lang="en-US" dirty="0"/>
               <a:t>Presenter Name</a:t>
             </a:r>
             <a:br>
-              <a:rPr lang="en-US" dirty="0" smtClean="0"/>
+              <a:rPr lang="en-US" dirty="0"/>
             </a:br>
             <a:r>
-              <a:rPr lang="en-US" dirty="0" smtClean="0"/>
+              <a:rPr lang="en-US" dirty="0"/>
               <a:t>Presenter Title</a:t>
             </a:r>
-            <a:endParaRPr lang="en-US" dirty="0"/>
           </a:p>
         </p:txBody>
       </p:sp>
@@ -3975,13 +3960,6 @@
   <p:transition>
     <p:fade/>
   </p:transition>
-  <p:timing>
-    <p:tnLst>
-      <p:par>
-        <p:cTn id="1" dur="indefinite" restart="never" nodeType="tmRoot"/>
-      </p:par>
-    </p:tnLst>
-  </p:timing>
   <p:hf sldNum="0" hdr="0" ftr="0"/>
 </p:sldLayout>
 </file>
@@ -4274,7 +4252,7 @@
           <a:p>
             <a:fld id="{5958763E-B898-436D-883D-03711491D54A}" type="datetimeFigureOut">
               <a:rPr lang="en-US" smtClean="0"/>
-              <a:t>3/23/2020</a:t>
+              <a:t>3/18/2022</a:t>
             </a:fld>
             <a:endParaRPr lang="en-US"/>
           </a:p>
@@ -4347,13 +4325,6 @@
   <p:transition>
     <p:fade/>
   </p:transition>
-  <p:timing>
-    <p:tnLst>
-      <p:par>
-        <p:cTn id="1" dur="indefinite" restart="never" nodeType="tmRoot"/>
-      </p:par>
-    </p:tnLst>
-  </p:timing>
 </p:sldLayout>
 </file>
 
@@ -4402,10 +4373,9 @@
           </a:lstStyle>
           <a:p>
             <a:r>
-              <a:rPr lang="en-US" dirty="0" smtClean="0"/>
+              <a:rPr lang="en-US" dirty="0"/>
               <a:t>Click icon to add picture</a:t>
             </a:r>
-            <a:endParaRPr lang="en-US" dirty="0"/>
           </a:p>
         </p:txBody>
       </p:sp>
@@ -4475,7 +4445,7 @@
           <a:p>
             <a:fld id="{5958763E-B898-436D-883D-03711491D54A}" type="datetimeFigureOut">
               <a:rPr lang="en-US" smtClean="0"/>
-              <a:t>3/23/2020</a:t>
+              <a:t>3/18/2022</a:t>
             </a:fld>
             <a:endParaRPr lang="en-US"/>
           </a:p>
@@ -4548,13 +4518,6 @@
   <p:transition>
     <p:fade/>
   </p:transition>
-  <p:timing>
-    <p:tnLst>
-      <p:par>
-        <p:cTn id="1" dur="indefinite" restart="never" nodeType="tmRoot"/>
-      </p:par>
-    </p:tnLst>
-  </p:timing>
 </p:sldLayout>
 </file>
 
@@ -4732,7 +4695,7 @@
           <a:p>
             <a:fld id="{5958763E-B898-436D-883D-03711491D54A}" type="datetimeFigureOut">
               <a:rPr lang="en-US" smtClean="0"/>
-              <a:t>3/23/2020</a:t>
+              <a:t>3/18/2022</a:t>
             </a:fld>
             <a:endParaRPr lang="en-US"/>
           </a:p>
@@ -4805,13 +4768,6 @@
   <p:transition>
     <p:fade/>
   </p:transition>
-  <p:timing>
-    <p:tnLst>
-      <p:par>
-        <p:cTn id="1" dur="indefinite" restart="never" nodeType="tmRoot"/>
-      </p:par>
-    </p:tnLst>
-  </p:timing>
 </p:sldLayout>
 </file>
 
@@ -5087,7 +5043,7 @@
           <a:p>
             <a:fld id="{5958763E-B898-436D-883D-03711491D54A}" type="datetimeFigureOut">
               <a:rPr lang="en-US" smtClean="0"/>
-              <a:t>3/23/2020</a:t>
+              <a:t>3/18/2022</a:t>
             </a:fld>
             <a:endParaRPr lang="en-US"/>
           </a:p>
@@ -5148,13 +5104,6 @@
   <p:transition>
     <p:fade/>
   </p:transition>
-  <p:timing>
-    <p:tnLst>
-      <p:par>
-        <p:cTn id="1" dur="indefinite" restart="never" nodeType="tmRoot"/>
-      </p:par>
-    </p:tnLst>
-  </p:timing>
 </p:sldLayout>
 </file>
 
@@ -5510,7 +5459,7 @@
           <a:p>
             <a:fld id="{5958763E-B898-436D-883D-03711491D54A}" type="datetimeFigureOut">
               <a:rPr lang="en-US" smtClean="0"/>
-              <a:t>3/23/2020</a:t>
+              <a:t>3/18/2022</a:t>
             </a:fld>
             <a:endParaRPr lang="en-US"/>
           </a:p>
@@ -5571,13 +5520,6 @@
   <p:transition>
     <p:fade/>
   </p:transition>
-  <p:timing>
-    <p:tnLst>
-      <p:par>
-        <p:cTn id="1" dur="indefinite" restart="never" nodeType="tmRoot"/>
-      </p:par>
-    </p:tnLst>
-  </p:timing>
 </p:sldLayout>
 </file>
 
@@ -6018,7 +5960,7 @@
           <a:p>
             <a:fld id="{5958763E-B898-436D-883D-03711491D54A}" type="datetimeFigureOut">
               <a:rPr lang="en-US" smtClean="0"/>
-              <a:t>3/23/2020</a:t>
+              <a:t>3/18/2022</a:t>
             </a:fld>
             <a:endParaRPr lang="en-US"/>
           </a:p>
@@ -6079,13 +6021,6 @@
   <p:transition>
     <p:fade/>
   </p:transition>
-  <p:timing>
-    <p:tnLst>
-      <p:par>
-        <p:cTn id="1" dur="indefinite" restart="never" nodeType="tmRoot"/>
-      </p:par>
-    </p:tnLst>
-  </p:timing>
 </p:sldLayout>
 </file>
 
@@ -6476,7 +6411,7 @@
           <a:p>
             <a:fld id="{5958763E-B898-436D-883D-03711491D54A}" type="datetimeFigureOut">
               <a:rPr lang="en-US" smtClean="0"/>
-              <a:t>3/23/2020</a:t>
+              <a:t>3/18/2022</a:t>
             </a:fld>
             <a:endParaRPr lang="en-US"/>
           </a:p>
@@ -6537,13 +6472,6 @@
   <p:transition>
     <p:fade/>
   </p:transition>
-  <p:timing>
-    <p:tnLst>
-      <p:par>
-        <p:cTn id="1" dur="indefinite" restart="never" nodeType="tmRoot"/>
-      </p:par>
-    </p:tnLst>
-  </p:timing>
 </p:sldLayout>
 </file>
 
@@ -7094,7 +7022,7 @@
           <a:p>
             <a:fld id="{5958763E-B898-436D-883D-03711491D54A}" type="datetimeFigureOut">
               <a:rPr lang="en-US" smtClean="0"/>
-              <a:t>3/23/2020</a:t>
+              <a:t>3/18/2022</a:t>
             </a:fld>
             <a:endParaRPr lang="en-US"/>
           </a:p>
@@ -7155,13 +7083,6 @@
   <p:transition>
     <p:fade/>
   </p:transition>
-  <p:timing>
-    <p:tnLst>
-      <p:par>
-        <p:cTn id="1" dur="indefinite" restart="never" nodeType="tmRoot"/>
-      </p:par>
-    </p:tnLst>
-  </p:timing>
 </p:sldLayout>
 </file>
 
@@ -7872,7 +7793,7 @@
           <a:p>
             <a:fld id="{5958763E-B898-436D-883D-03711491D54A}" type="datetimeFigureOut">
               <a:rPr lang="en-US" smtClean="0"/>
-              <a:t>3/23/2020</a:t>
+              <a:t>3/18/2022</a:t>
             </a:fld>
             <a:endParaRPr lang="en-US"/>
           </a:p>
@@ -7933,13 +7854,6 @@
   <p:transition>
     <p:fade/>
   </p:transition>
-  <p:timing>
-    <p:tnLst>
-      <p:par>
-        <p:cTn id="1" dur="indefinite" restart="never" nodeType="tmRoot"/>
-      </p:par>
-    </p:tnLst>
-  </p:timing>
 </p:sldLayout>
 </file>
 
@@ -7983,7 +7897,7 @@
           <a:p>
             <a:fld id="{5958763E-B898-436D-883D-03711491D54A}" type="datetimeFigureOut">
               <a:rPr lang="en-US" smtClean="0"/>
-              <a:t>3/23/2020</a:t>
+              <a:t>3/18/2022</a:t>
             </a:fld>
             <a:endParaRPr lang="en-US"/>
           </a:p>
@@ -8056,13 +7970,6 @@
   <p:transition>
     <p:fade/>
   </p:transition>
-  <p:timing>
-    <p:tnLst>
-      <p:par>
-        <p:cTn id="1" dur="indefinite" restart="never" nodeType="tmRoot"/>
-      </p:par>
-    </p:tnLst>
-  </p:timing>
 </p:sldLayout>
 </file>
 
@@ -8142,7 +8049,7 @@
                 <a:spcPct val="0"/>
               </a:spcAft>
             </a:pPr>
-            <a:endParaRPr lang="en-US" sz="2400" dirty="0" err="1" smtClean="0">
+            <a:endParaRPr lang="en-US" sz="2400" dirty="0" err="1">
               <a:gradFill>
                 <a:gsLst>
                   <a:gs pos="0">
@@ -8275,15 +8182,7 @@
           <a:p>
             <a:r>
               <a:rPr lang="en-US" dirty="0"/>
-              <a:t>Click to edit Master </a:t>
-            </a:r>
-            <a:r>
-              <a:rPr lang="en-US" dirty="0" smtClean="0"/>
-              <a:t>subtitle </a:t>
-            </a:r>
-            <a:r>
-              <a:rPr lang="en-US" dirty="0"/>
-              <a:t>style</a:t>
+              <a:t>Click to edit Master subtitle style</a:t>
             </a:r>
           </a:p>
         </p:txBody>
@@ -8325,7 +8224,7 @@
             <a:fld id="{1C2D31DE-C454-491C-B5C3-F097855E3DF7}" type="datetime4">
               <a:rPr lang="en-US" smtClean="0"/>
               <a:pPr/>
-              <a:t>March 23, 2020</a:t>
+              <a:t>March 18, 2022</a:t>
             </a:fld>
             <a:endParaRPr lang="en-US" dirty="0"/>
           </a:p>
@@ -11399,17 +11298,16 @@
           <a:p>
             <a:pPr lvl="0"/>
             <a:r>
-              <a:rPr lang="en-US" dirty="0" smtClean="0"/>
+              <a:rPr lang="en-US" dirty="0"/>
               <a:t>Presenter Name</a:t>
             </a:r>
             <a:br>
-              <a:rPr lang="en-US" dirty="0" smtClean="0"/>
+              <a:rPr lang="en-US" dirty="0"/>
             </a:br>
             <a:r>
-              <a:rPr lang="en-US" dirty="0" smtClean="0"/>
+              <a:rPr lang="en-US" dirty="0"/>
               <a:t>Presenter Title</a:t>
             </a:r>
-            <a:endParaRPr lang="en-US" dirty="0"/>
           </a:p>
         </p:txBody>
       </p:sp>
@@ -11426,13 +11324,6 @@
   <p:transition>
     <p:fade/>
   </p:transition>
-  <p:timing>
-    <p:tnLst>
-      <p:par>
-        <p:cTn id="1" dur="indefinite" restart="never" nodeType="tmRoot"/>
-      </p:par>
-    </p:tnLst>
-  </p:timing>
   <p:hf sldNum="0" hdr="0" ftr="0"/>
 </p:sldLayout>
 </file>
@@ -11485,7 +11376,7 @@
           <a:p>
             <a:fld id="{5958763E-B898-436D-883D-03711491D54A}" type="datetimeFigureOut">
               <a:rPr lang="en-US" smtClean="0"/>
-              <a:t>3/23/2020</a:t>
+              <a:t>3/18/2022</a:t>
             </a:fld>
             <a:endParaRPr lang="en-US"/>
           </a:p>
@@ -11558,13 +11449,6 @@
   <p:transition>
     <p:fade/>
   </p:transition>
-  <p:timing>
-    <p:tnLst>
-      <p:par>
-        <p:cTn id="1" dur="indefinite" restart="never" nodeType="tmRoot"/>
-      </p:par>
-    </p:tnLst>
-  </p:timing>
 </p:sldLayout>
 </file>
 
@@ -11616,7 +11500,7 @@
           <a:p>
             <a:fld id="{5958763E-B898-436D-883D-03711491D54A}" type="datetimeFigureOut">
               <a:rPr lang="en-US" smtClean="0"/>
-              <a:t>3/23/2020</a:t>
+              <a:t>3/18/2022</a:t>
             </a:fld>
             <a:endParaRPr lang="en-US"/>
           </a:p>
@@ -11689,13 +11573,6 @@
   <p:transition>
     <p:fade/>
   </p:transition>
-  <p:timing>
-    <p:tnLst>
-      <p:par>
-        <p:cTn id="1" dur="indefinite" restart="never" nodeType="tmRoot"/>
-      </p:par>
-    </p:tnLst>
-  </p:timing>
 </p:sldLayout>
 </file>
 
@@ -11747,7 +11624,7 @@
           <a:p>
             <a:fld id="{5958763E-B898-436D-883D-03711491D54A}" type="datetimeFigureOut">
               <a:rPr lang="en-US" smtClean="0"/>
-              <a:t>3/23/2020</a:t>
+              <a:t>3/18/2022</a:t>
             </a:fld>
             <a:endParaRPr lang="en-US"/>
           </a:p>
@@ -11820,13 +11697,6 @@
   <p:transition>
     <p:fade/>
   </p:transition>
-  <p:timing>
-    <p:tnLst>
-      <p:par>
-        <p:cTn id="1" dur="indefinite" restart="never" nodeType="tmRoot"/>
-      </p:par>
-    </p:tnLst>
-  </p:timing>
 </p:sldLayout>
 </file>
 
@@ -11878,7 +11748,7 @@
           <a:p>
             <a:fld id="{5958763E-B898-436D-883D-03711491D54A}" type="datetimeFigureOut">
               <a:rPr lang="en-US" smtClean="0"/>
-              <a:t>3/23/2020</a:t>
+              <a:t>3/18/2022</a:t>
             </a:fld>
             <a:endParaRPr lang="en-US"/>
           </a:p>
@@ -11951,13 +11821,6 @@
   <p:transition>
     <p:fade/>
   </p:transition>
-  <p:timing>
-    <p:tnLst>
-      <p:par>
-        <p:cTn id="1" dur="indefinite" restart="never" nodeType="tmRoot"/>
-      </p:par>
-    </p:tnLst>
-  </p:timing>
 </p:sldLayout>
 </file>
 
@@ -12009,7 +11872,7 @@
           <a:p>
             <a:fld id="{5958763E-B898-436D-883D-03711491D54A}" type="datetimeFigureOut">
               <a:rPr lang="en-US" smtClean="0"/>
-              <a:t>3/23/2020</a:t>
+              <a:t>3/18/2022</a:t>
             </a:fld>
             <a:endParaRPr lang="en-US"/>
           </a:p>
@@ -12082,13 +11945,6 @@
   <p:transition>
     <p:fade/>
   </p:transition>
-  <p:timing>
-    <p:tnLst>
-      <p:par>
-        <p:cTn id="1" dur="indefinite" restart="never" nodeType="tmRoot"/>
-      </p:par>
-    </p:tnLst>
-  </p:timing>
 </p:sldLayout>
 </file>
 
@@ -12140,7 +11996,7 @@
           <a:p>
             <a:fld id="{5958763E-B898-436D-883D-03711491D54A}" type="datetimeFigureOut">
               <a:rPr lang="en-US" smtClean="0"/>
-              <a:t>3/23/2020</a:t>
+              <a:t>3/18/2022</a:t>
             </a:fld>
             <a:endParaRPr lang="en-US"/>
           </a:p>
@@ -12213,13 +12069,6 @@
   <p:transition>
     <p:fade/>
   </p:transition>
-  <p:timing>
-    <p:tnLst>
-      <p:par>
-        <p:cTn id="1" dur="indefinite" restart="never" nodeType="tmRoot"/>
-      </p:par>
-    </p:tnLst>
-  </p:timing>
 </p:sldLayout>
 </file>
 
@@ -12271,7 +12120,7 @@
           <a:p>
             <a:fld id="{5958763E-B898-436D-883D-03711491D54A}" type="datetimeFigureOut">
               <a:rPr lang="en-US" smtClean="0"/>
-              <a:t>3/23/2020</a:t>
+              <a:t>3/18/2022</a:t>
             </a:fld>
             <a:endParaRPr lang="en-US"/>
           </a:p>
@@ -12344,13 +12193,6 @@
   <p:transition>
     <p:fade/>
   </p:transition>
-  <p:timing>
-    <p:tnLst>
-      <p:par>
-        <p:cTn id="1" dur="indefinite" restart="never" nodeType="tmRoot"/>
-      </p:par>
-    </p:tnLst>
-  </p:timing>
 </p:sldLayout>
 </file>
 
@@ -12402,7 +12244,7 @@
           <a:p>
             <a:fld id="{5958763E-B898-436D-883D-03711491D54A}" type="datetimeFigureOut">
               <a:rPr lang="en-US" smtClean="0"/>
-              <a:t>3/23/2020</a:t>
+              <a:t>3/18/2022</a:t>
             </a:fld>
             <a:endParaRPr lang="en-US"/>
           </a:p>
@@ -12475,13 +12317,6 @@
   <p:transition>
     <p:fade/>
   </p:transition>
-  <p:timing>
-    <p:tnLst>
-      <p:par>
-        <p:cTn id="1" dur="indefinite" restart="never" nodeType="tmRoot"/>
-      </p:par>
-    </p:tnLst>
-  </p:timing>
 </p:sldLayout>
 </file>
 
@@ -12542,7 +12377,7 @@
           <a:p>
             <a:fld id="{5958763E-B898-436D-883D-03711491D54A}" type="datetimeFigureOut">
               <a:rPr lang="en-US" smtClean="0"/>
-              <a:t>3/23/2020</a:t>
+              <a:t>3/18/2022</a:t>
             </a:fld>
             <a:endParaRPr lang="en-US"/>
           </a:p>
@@ -12615,13 +12450,6 @@
   <p:transition>
     <p:fade/>
   </p:transition>
-  <p:timing>
-    <p:tnLst>
-      <p:par>
-        <p:cTn id="1" dur="indefinite" restart="never" nodeType="tmRoot"/>
-      </p:par>
-    </p:tnLst>
-  </p:timing>
 </p:sldLayout>
 </file>
 
@@ -15623,13 +15451,6 @@
   <p:transition>
     <p:fade/>
   </p:transition>
-  <p:timing>
-    <p:tnLst>
-      <p:par>
-        <p:cTn id="1" dur="indefinite" restart="never" nodeType="tmRoot"/>
-      </p:par>
-    </p:tnLst>
-  </p:timing>
 </p:sldLayout>
 </file>
 
@@ -15717,7 +15538,7 @@
                 <a:spcPct val="0"/>
               </a:spcAft>
             </a:pPr>
-            <a:endParaRPr lang="en-US" sz="2400" dirty="0" err="1" smtClean="0">
+            <a:endParaRPr lang="en-US" sz="2400" dirty="0" err="1">
               <a:gradFill>
                 <a:gsLst>
                   <a:gs pos="0">
@@ -15853,15 +15674,7 @@
           <a:p>
             <a:r>
               <a:rPr lang="en-US" dirty="0"/>
-              <a:t>Click to edit Master </a:t>
-            </a:r>
-            <a:r>
-              <a:rPr lang="en-US" dirty="0" smtClean="0"/>
-              <a:t>subtitle </a:t>
-            </a:r>
-            <a:r>
-              <a:rPr lang="en-US" dirty="0"/>
-              <a:t>style</a:t>
+              <a:t>Click to edit Master subtitle style</a:t>
             </a:r>
           </a:p>
         </p:txBody>
@@ -15903,7 +15716,7 @@
             <a:fld id="{1C2D31DE-C454-491C-B5C3-F097855E3DF7}" type="datetime4">
               <a:rPr lang="en-US" smtClean="0"/>
               <a:pPr/>
-              <a:t>March 23, 2020</a:t>
+              <a:t>March 18, 2022</a:t>
             </a:fld>
             <a:endParaRPr lang="en-US" dirty="0"/>
           </a:p>
@@ -18985,17 +18798,16 @@
           <a:p>
             <a:pPr lvl="0"/>
             <a:r>
-              <a:rPr lang="en-US" dirty="0" smtClean="0"/>
+              <a:rPr lang="en-US" dirty="0"/>
               <a:t>Presenter Name</a:t>
             </a:r>
             <a:br>
-              <a:rPr lang="en-US" dirty="0" smtClean="0"/>
+              <a:rPr lang="en-US" dirty="0"/>
             </a:br>
             <a:r>
-              <a:rPr lang="en-US" dirty="0" smtClean="0"/>
+              <a:rPr lang="en-US" dirty="0"/>
               <a:t>Presenter Title</a:t>
             </a:r>
-            <a:endParaRPr lang="en-US" dirty="0"/>
           </a:p>
         </p:txBody>
       </p:sp>
@@ -19012,13 +18824,6 @@
   <p:transition>
     <p:fade/>
   </p:transition>
-  <p:timing>
-    <p:tnLst>
-      <p:par>
-        <p:cTn id="1" dur="indefinite" restart="never" nodeType="tmRoot"/>
-      </p:par>
-    </p:tnLst>
-  </p:timing>
   <p:hf sldNum="0" hdr="0" ftr="0"/>
 </p:sldLayout>
 </file>
@@ -26528,10 +26333,9 @@
           <a:p>
             <a:pPr lvl="0"/>
             <a:r>
-              <a:rPr lang="en-US" dirty="0" smtClean="0"/>
+              <a:rPr lang="en-US" dirty="0"/>
               <a:t>&lt;Call to action&gt;</a:t>
             </a:r>
-            <a:endParaRPr lang="en-US" dirty="0"/>
           </a:p>
         </p:txBody>
       </p:sp>
@@ -28148,7 +27952,7 @@
           <a:p>
             <a:fld id="{5958763E-B898-436D-883D-03711491D54A}" type="datetimeFigureOut">
               <a:rPr lang="en-US" smtClean="0"/>
-              <a:t>3/23/2020</a:t>
+              <a:t>3/18/2022</a:t>
             </a:fld>
             <a:endParaRPr lang="en-US"/>
           </a:p>
@@ -28275,7 +28079,7 @@
                 <a:spcPct val="0"/>
               </a:spcAft>
             </a:pPr>
-            <a:endParaRPr lang="en-US" sz="2400" dirty="0" err="1" smtClean="0">
+            <a:endParaRPr lang="en-US" sz="2400" dirty="0" err="1">
               <a:gradFill>
                 <a:gsLst>
                   <a:gs pos="0">
@@ -28306,13 +28110,6 @@
   <p:transition>
     <p:fade/>
   </p:transition>
-  <p:timing>
-    <p:tnLst>
-      <p:par>
-        <p:cTn id="1" dur="indefinite" restart="never" nodeType="tmRoot"/>
-      </p:par>
-    </p:tnLst>
-  </p:timing>
 </p:sldLayout>
 </file>
 
@@ -28557,7 +28354,7 @@
           <a:p>
             <a:fld id="{5958763E-B898-436D-883D-03711491D54A}" type="datetimeFigureOut">
               <a:rPr lang="en-US" smtClean="0"/>
-              <a:t>3/23/2020</a:t>
+              <a:t>3/18/2022</a:t>
             </a:fld>
             <a:endParaRPr lang="en-US"/>
           </a:p>
@@ -28630,13 +28427,6 @@
   <p:transition>
     <p:fade/>
   </p:transition>
-  <p:timing>
-    <p:tnLst>
-      <p:par>
-        <p:cTn id="1" dur="indefinite" restart="never" nodeType="tmRoot"/>
-      </p:par>
-    </p:tnLst>
-  </p:timing>
 </p:sldLayout>
 </file>
 
@@ -28858,7 +28648,7 @@
           <a:p>
             <a:fld id="{5958763E-B898-436D-883D-03711491D54A}" type="datetimeFigureOut">
               <a:rPr lang="en-US" smtClean="0"/>
-              <a:t>3/23/2020</a:t>
+              <a:t>3/18/2022</a:t>
             </a:fld>
             <a:endParaRPr lang="en-US"/>
           </a:p>
@@ -28931,13 +28721,6 @@
   <p:transition>
     <p:fade/>
   </p:transition>
-  <p:timing>
-    <p:tnLst>
-      <p:par>
-        <p:cTn id="1" dur="indefinite" restart="never" nodeType="tmRoot"/>
-      </p:par>
-    </p:tnLst>
-  </p:timing>
 </p:sldLayout>
 </file>
 
@@ -29066,7 +28849,7 @@
           <a:p>
             <a:fld id="{5958763E-B898-436D-883D-03711491D54A}" type="datetimeFigureOut">
               <a:rPr lang="en-US" smtClean="0"/>
-              <a:t>3/23/2020</a:t>
+              <a:t>3/18/2022</a:t>
             </a:fld>
             <a:endParaRPr lang="en-US"/>
           </a:p>
@@ -29189,13 +28972,6 @@
   <p:transition>
     <p:fade/>
   </p:transition>
-  <p:timing>
-    <p:tnLst>
-      <p:par>
-        <p:cTn id="1" dur="indefinite" restart="never" nodeType="tmRoot"/>
-      </p:par>
-    </p:tnLst>
-  </p:timing>
 </p:sldLayout>
 </file>
 
@@ -29334,7 +29110,7 @@
           <a:p>
             <a:fld id="{5958763E-B898-436D-883D-03711491D54A}" type="datetimeFigureOut">
               <a:rPr lang="en-US" smtClean="0"/>
-              <a:t>3/23/2020</a:t>
+              <a:t>3/18/2022</a:t>
             </a:fld>
             <a:endParaRPr lang="en-US"/>
           </a:p>
@@ -29461,13 +29237,6 @@
   <p:transition>
     <p:fade/>
   </p:transition>
-  <p:timing>
-    <p:tnLst>
-      <p:par>
-        <p:cTn id="1" dur="indefinite" restart="never" nodeType="tmRoot"/>
-      </p:par>
-    </p:tnLst>
-  </p:timing>
 </p:sldLayout>
 </file>
 
@@ -29629,7 +29398,7 @@
                 <a:spcPct val="0"/>
               </a:spcAft>
             </a:pPr>
-            <a:endParaRPr lang="en-US" sz="2400" dirty="0" err="1" smtClean="0">
+            <a:endParaRPr lang="en-US" sz="2400" dirty="0" err="1">
               <a:gradFill>
                 <a:gsLst>
                   <a:gs pos="0">
@@ -29680,10 +29449,9 @@
           </a:lstStyle>
           <a:p>
             <a:r>
-              <a:rPr lang="en-US" dirty="0" smtClean="0"/>
+              <a:rPr lang="en-US" dirty="0"/>
               <a:t>Type “Agenda”</a:t>
             </a:r>
-            <a:endParaRPr lang="en-US" dirty="0"/>
           </a:p>
         </p:txBody>
       </p:sp>
@@ -29807,24 +29575,23 @@
           <a:p>
             <a:pPr lvl="0"/>
             <a:r>
-              <a:rPr lang="en-US" dirty="0" smtClean="0"/>
+              <a:rPr lang="en-US" dirty="0"/>
               <a:t>Item 1</a:t>
             </a:r>
           </a:p>
           <a:p>
             <a:pPr lvl="0"/>
             <a:r>
-              <a:rPr lang="en-US" dirty="0" smtClean="0"/>
+              <a:rPr lang="en-US" dirty="0"/>
               <a:t>Item 2</a:t>
             </a:r>
           </a:p>
           <a:p>
             <a:pPr lvl="0"/>
             <a:r>
-              <a:rPr lang="en-US" dirty="0" smtClean="0"/>
+              <a:rPr lang="en-US" dirty="0"/>
               <a:t>Item 3</a:t>
             </a:r>
-            <a:endParaRPr lang="en-US" dirty="0"/>
           </a:p>
         </p:txBody>
       </p:sp>
@@ -29851,7 +29618,7 @@
           <a:p>
             <a:fld id="{5958763E-B898-436D-883D-03711491D54A}" type="datetimeFigureOut">
               <a:rPr lang="en-US" smtClean="0"/>
-              <a:t>3/23/2020</a:t>
+              <a:t>3/18/2022</a:t>
             </a:fld>
             <a:endParaRPr lang="en-US"/>
           </a:p>
@@ -29958,13 +29725,6 @@
   <p:transition>
     <p:fade/>
   </p:transition>
-  <p:timing>
-    <p:tnLst>
-      <p:par>
-        <p:cTn id="1" dur="indefinite" restart="never" nodeType="tmRoot"/>
-      </p:par>
-    </p:tnLst>
-  </p:timing>
 </p:sldLayout>
 </file>
 
@@ -30126,7 +29886,7 @@
                 <a:spcPct val="0"/>
               </a:spcAft>
             </a:pPr>
-            <a:endParaRPr lang="en-US" sz="2400" dirty="0" err="1" smtClean="0">
+            <a:endParaRPr lang="en-US" sz="2400" dirty="0" err="1">
               <a:gradFill>
                 <a:gsLst>
                   <a:gs pos="0">
@@ -30179,10 +29939,9 @@
           </a:lstStyle>
           <a:p>
             <a:r>
-              <a:rPr lang="en-US" dirty="0" smtClean="0"/>
+              <a:rPr lang="en-US" dirty="0"/>
               <a:t>Notable Quote</a:t>
             </a:r>
-            <a:endParaRPr lang="en-US" dirty="0"/>
           </a:p>
         </p:txBody>
       </p:sp>
@@ -30309,10 +30068,9 @@
           <a:p>
             <a:pPr lvl="0"/>
             <a:r>
-              <a:rPr lang="en-US" dirty="0" smtClean="0"/>
+              <a:rPr lang="en-US" dirty="0"/>
               <a:t>– Attribution</a:t>
             </a:r>
-            <a:endParaRPr lang="en-US" dirty="0"/>
           </a:p>
         </p:txBody>
       </p:sp>
@@ -30339,7 +30097,7 @@
           <a:p>
             <a:fld id="{5958763E-B898-436D-883D-03711491D54A}" type="datetimeFigureOut">
               <a:rPr lang="en-US" smtClean="0"/>
-              <a:t>3/23/2020</a:t>
+              <a:t>3/18/2022</a:t>
             </a:fld>
             <a:endParaRPr lang="en-US"/>
           </a:p>
@@ -31087,13 +30845,6 @@
   <p:transition>
     <p:fade/>
   </p:transition>
-  <p:timing>
-    <p:tnLst>
-      <p:par>
-        <p:cTn id="1" dur="indefinite" restart="never" nodeType="tmRoot"/>
-      </p:par>
-    </p:tnLst>
-  </p:timing>
 </p:sldLayout>
 </file>
 
@@ -31165,7 +30916,7 @@
           <a:p>
             <a:fld id="{5958763E-B898-436D-883D-03711491D54A}" type="datetimeFigureOut">
               <a:rPr lang="en-US" smtClean="0"/>
-              <a:t>3/23/2020</a:t>
+              <a:t>3/18/2022</a:t>
             </a:fld>
             <a:endParaRPr lang="en-US"/>
           </a:p>
@@ -31238,13 +30989,6 @@
   <p:transition>
     <p:fade/>
   </p:transition>
-  <p:timing>
-    <p:tnLst>
-      <p:par>
-        <p:cTn id="1" dur="indefinite" restart="never" nodeType="tmRoot"/>
-      </p:par>
-    </p:tnLst>
-  </p:timing>
 </p:sldLayout>
 </file>
 
@@ -31373,7 +31117,7 @@
           <a:p>
             <a:fld id="{5958763E-B898-436D-883D-03711491D54A}" type="datetimeFigureOut">
               <a:rPr lang="en-US" smtClean="0"/>
-              <a:t>3/23/2020</a:t>
+              <a:t>3/18/2022</a:t>
             </a:fld>
             <a:endParaRPr lang="en-US"/>
           </a:p>
@@ -31496,13 +31240,6 @@
   <p:transition>
     <p:fade/>
   </p:transition>
-  <p:timing>
-    <p:tnLst>
-      <p:par>
-        <p:cTn id="1" dur="indefinite" restart="never" nodeType="tmRoot"/>
-      </p:par>
-    </p:tnLst>
-  </p:timing>
 </p:sldLayout>
 </file>
 
@@ -31715,7 +31452,7 @@
           <a:p>
             <a:fld id="{5958763E-B898-436D-883D-03711491D54A}" type="datetimeFigureOut">
               <a:rPr lang="en-US" smtClean="0"/>
-              <a:t>3/23/2020</a:t>
+              <a:t>3/18/2022</a:t>
             </a:fld>
             <a:endParaRPr lang="en-US"/>
           </a:p>
@@ -31788,13 +31525,6 @@
   <p:transition>
     <p:fade/>
   </p:transition>
-  <p:timing>
-    <p:tnLst>
-      <p:par>
-        <p:cTn id="1" dur="indefinite" restart="never" nodeType="tmRoot"/>
-      </p:par>
-    </p:tnLst>
-  </p:timing>
 </p:sldLayout>
 </file>
 
@@ -31952,7 +31682,7 @@
           <a:p>
             <a:fld id="{5958763E-B898-436D-883D-03711491D54A}" type="datetimeFigureOut">
               <a:rPr lang="en-US" smtClean="0"/>
-              <a:t>3/23/2020</a:t>
+              <a:t>3/18/2022</a:t>
             </a:fld>
             <a:endParaRPr lang="en-US"/>
           </a:p>
@@ -32025,13 +31755,6 @@
   <p:transition>
     <p:fade/>
   </p:transition>
-  <p:timing>
-    <p:tnLst>
-      <p:par>
-        <p:cTn id="1" dur="indefinite" restart="never" nodeType="tmRoot"/>
-      </p:par>
-    </p:tnLst>
-  </p:timing>
 </p:sldLayout>
 </file>
 
@@ -32203,7 +31926,7 @@
           <a:p>
             <a:fld id="{5958763E-B898-436D-883D-03711491D54A}" type="datetimeFigureOut">
               <a:rPr lang="en-US" smtClean="0"/>
-              <a:t>3/23/2020</a:t>
+              <a:t>3/18/2022</a:t>
             </a:fld>
             <a:endParaRPr lang="en-US"/>
           </a:p>
@@ -32349,13 +32072,6 @@
   <p:transition>
     <p:fade/>
   </p:transition>
-  <p:timing>
-    <p:tnLst>
-      <p:par>
-        <p:cTn id="1" dur="indefinite" restart="never" nodeType="tmRoot"/>
-      </p:par>
-    </p:tnLst>
-  </p:timing>
   <p:txStyles>
     <p:titleStyle>
       <a:lvl1pPr algn="l" defTabSz="914400" rtl="0" eaLnBrk="1" latinLnBrk="0" hangingPunct="1">
@@ -32660,7 +32376,7 @@
       </a:lvl9pPr>
     </p:otherStyle>
   </p:txStyles>
-  <p:extLst mod="1">
+  <p:extLst>
     <p:ext uri="{27BBF7A9-308A-43DC-89C8-2F10F3537804}">
       <p15:sldGuideLst xmlns:p15="http://schemas.microsoft.com/office/powerpoint/2012/main">
         <p15:guide id="1" orient="horz" pos="2160" userDrawn="1">
@@ -32739,10 +32455,9 @@
           <a:lstStyle/>
           <a:p>
             <a:r>
-              <a:rPr lang="en-US" sz="6600" dirty="0" smtClean="0"/>
+              <a:rPr lang="en-US" sz="6600" dirty="0"/>
               <a:t>More HTML Elements</a:t>
             </a:r>
-            <a:endParaRPr lang="en-US" sz="6600" dirty="0"/>
           </a:p>
         </p:txBody>
       </p:sp>
@@ -32767,10 +32482,9 @@
           <a:lstStyle/>
           <a:p>
             <a:r>
-              <a:rPr lang="en-US" dirty="0" smtClean="0"/>
+              <a:rPr lang="en-US" dirty="0"/>
               <a:t>Hy-Tech Club: Web 101</a:t>
             </a:r>
-            <a:endParaRPr lang="en-US" dirty="0"/>
           </a:p>
         </p:txBody>
       </p:sp>
@@ -35755,13 +35469,6 @@
   <p:transition>
     <p:fade/>
   </p:transition>
-  <p:timing>
-    <p:tnLst>
-      <p:par>
-        <p:cTn id="1" dur="indefinite" restart="never" nodeType="tmRoot"/>
-      </p:par>
-    </p:tnLst>
-  </p:timing>
 </p:sld>
 </file>
 
@@ -35808,11 +35515,11 @@
           <a:lstStyle/>
           <a:p>
             <a:r>
-              <a:rPr lang="en-US" dirty="0" smtClean="0"/>
+              <a:rPr lang="en-US" dirty="0"/>
               <a:t>The </a:t>
             </a:r>
             <a:r>
-              <a:rPr lang="en-US" sz="4000" cap="none" dirty="0" smtClean="0">
+              <a:rPr lang="en-US" sz="4000" cap="none" dirty="0">
                 <a:solidFill>
                   <a:schemeClr val="accent1">
                     <a:lumMod val="20000"/>
@@ -35824,14 +35531,9 @@
               <a:t>span</a:t>
             </a:r>
             <a:r>
-              <a:rPr lang="en-US" dirty="0" smtClean="0"/>
-              <a:t> </a:t>
+              <a:rPr lang="en-US" dirty="0"/>
+              <a:t> Element</a:t>
             </a:r>
-            <a:r>
-              <a:rPr lang="en-US" dirty="0" smtClean="0"/>
-              <a:t>Element</a:t>
-            </a:r>
-            <a:endParaRPr lang="en-US" dirty="0"/>
           </a:p>
         </p:txBody>
       </p:sp>
@@ -35856,7 +35558,7 @@
           <a:lstStyle/>
           <a:p>
             <a:r>
-              <a:rPr lang="en-US" dirty="0" smtClean="0">
+              <a:rPr lang="en-US" dirty="0">
                 <a:solidFill>
                   <a:schemeClr val="bg1"/>
                 </a:solidFill>
@@ -35864,7 +35566,7 @@
               <a:t>A generic </a:t>
             </a:r>
             <a:r>
-              <a:rPr lang="en-US" i="1" dirty="0" smtClean="0">
+              <a:rPr lang="en-US" i="1" dirty="0">
                 <a:solidFill>
                   <a:schemeClr val="bg1"/>
                 </a:solidFill>
@@ -35872,39 +35574,29 @@
               <a:t>inline</a:t>
             </a:r>
             <a:r>
-              <a:rPr lang="en-US" dirty="0" smtClean="0">
+              <a:rPr lang="en-US" dirty="0">
                 <a:solidFill>
                   <a:schemeClr val="bg1"/>
                 </a:solidFill>
               </a:rPr>
               <a:t> container–no new line</a:t>
             </a:r>
-            <a:endParaRPr lang="en-US" dirty="0" smtClean="0">
-              <a:solidFill>
-                <a:schemeClr val="bg1"/>
-              </a:solidFill>
-            </a:endParaRPr>
           </a:p>
           <a:p>
             <a:r>
-              <a:rPr lang="en-US" dirty="0" smtClean="0">
+              <a:rPr lang="en-US" dirty="0">
                 <a:solidFill>
                   <a:schemeClr val="bg1"/>
                 </a:solidFill>
               </a:rPr>
               <a:t>Usually used to style a small part of something bigger</a:t>
             </a:r>
-            <a:endParaRPr lang="en-US" dirty="0">
-              <a:solidFill>
-                <a:schemeClr val="bg1"/>
-              </a:solidFill>
-            </a:endParaRPr>
           </a:p>
           <a:p>
             <a:pPr marL="57150" indent="0">
               <a:buNone/>
             </a:pPr>
-            <a:endParaRPr lang="en-US" dirty="0" smtClean="0">
+            <a:endParaRPr lang="en-US" dirty="0">
               <a:solidFill>
                 <a:srgbClr val="D7BA7D"/>
               </a:solidFill>
@@ -35916,22 +35608,13 @@
               <a:buNone/>
             </a:pPr>
             <a:r>
-              <a:rPr lang="en-US" dirty="0" smtClean="0">
-                <a:solidFill>
-                  <a:srgbClr val="D7BA7D"/>
-                </a:solidFill>
-                <a:latin typeface="Consolas" panose="020B0609020204030204" pitchFamily="49" charset="0"/>
-              </a:rPr>
-              <a:t>.</a:t>
-            </a:r>
-            <a:r>
               <a:rPr lang="en-US" dirty="0">
                 <a:solidFill>
                   <a:srgbClr val="D7BA7D"/>
                 </a:solidFill>
                 <a:latin typeface="Consolas" panose="020B0609020204030204" pitchFamily="49" charset="0"/>
               </a:rPr>
-              <a:t>red</a:t>
+              <a:t>.red</a:t>
             </a:r>
             <a:r>
               <a:rPr lang="en-US" dirty="0">
@@ -35975,7 +35658,7 @@
               <a:t>: </a:t>
             </a:r>
             <a:r>
-              <a:rPr lang="en-US" dirty="0" smtClean="0">
+              <a:rPr lang="en-US" dirty="0">
                 <a:solidFill>
                   <a:srgbClr val="CE9178"/>
                 </a:solidFill>
@@ -35984,7 +35667,7 @@
               <a:t>blue</a:t>
             </a:r>
             <a:r>
-              <a:rPr lang="en-US" dirty="0" smtClean="0">
+              <a:rPr lang="en-US" dirty="0">
                 <a:solidFill>
                   <a:srgbClr val="D4D4D4"/>
                 </a:solidFill>
@@ -35992,12 +35675,6 @@
               </a:rPr>
               <a:t>;</a:t>
             </a:r>
-            <a:endParaRPr lang="en-US" dirty="0">
-              <a:solidFill>
-                <a:srgbClr val="D4D4D4"/>
-              </a:solidFill>
-              <a:latin typeface="Consolas" panose="020B0609020204030204" pitchFamily="49" charset="0"/>
-            </a:endParaRPr>
           </a:p>
           <a:p>
             <a:pPr marL="57150" indent="0">
@@ -36029,7 +35706,7 @@
               <a:buNone/>
             </a:pPr>
             <a:r>
-              <a:rPr lang="en-US" dirty="0" smtClean="0">
+              <a:rPr lang="en-US" dirty="0">
                 <a:solidFill>
                   <a:srgbClr val="808080"/>
                 </a:solidFill>
@@ -36101,7 +35778,7 @@
               <a:t>class</a:t>
             </a:r>
             <a:r>
-              <a:rPr lang="en-US" dirty="0" smtClean="0">
+              <a:rPr lang="en-US" dirty="0">
                 <a:solidFill>
                   <a:srgbClr val="D4D4D4"/>
                 </a:solidFill>
@@ -36110,7 +35787,7 @@
               <a:t>=</a:t>
             </a:r>
             <a:r>
-              <a:rPr lang="en-US" dirty="0" smtClean="0">
+              <a:rPr lang="en-US" dirty="0">
                 <a:solidFill>
                   <a:srgbClr val="CE9178"/>
                 </a:solidFill>
@@ -36119,7 +35796,7 @@
               <a:t>"blue"</a:t>
             </a:r>
             <a:r>
-              <a:rPr lang="en-US" dirty="0" smtClean="0">
+              <a:rPr lang="en-US" dirty="0">
                 <a:solidFill>
                   <a:srgbClr val="808080"/>
                 </a:solidFill>
@@ -36128,7 +35805,7 @@
               <a:t>&gt;</a:t>
             </a:r>
             <a:r>
-              <a:rPr lang="en-US" dirty="0" smtClean="0">
+              <a:rPr lang="en-US" dirty="0">
                 <a:solidFill>
                   <a:srgbClr val="D4D4D4"/>
                 </a:solidFill>
@@ -36137,7 +35814,7 @@
               <a:t>blue</a:t>
             </a:r>
             <a:r>
-              <a:rPr lang="en-US" dirty="0" smtClean="0">
+              <a:rPr lang="en-US" dirty="0">
                 <a:solidFill>
                   <a:srgbClr val="808080"/>
                 </a:solidFill>
@@ -36191,7 +35868,7 @@
               <a:t>p</a:t>
             </a:r>
             <a:r>
-              <a:rPr lang="en-US" dirty="0" smtClean="0">
+              <a:rPr lang="en-US" dirty="0">
                 <a:solidFill>
                   <a:srgbClr val="808080"/>
                 </a:solidFill>
@@ -36199,7 +35876,7 @@
               </a:rPr>
               <a:t>&gt;</a:t>
             </a:r>
-            <a:endParaRPr lang="en-US" dirty="0" smtClean="0">
+            <a:endParaRPr lang="en-US" dirty="0">
               <a:solidFill>
                 <a:srgbClr val="D4D4D4"/>
               </a:solidFill>
@@ -36210,7 +35887,7 @@
             <a:pPr marL="57150" indent="0">
               <a:buNone/>
             </a:pPr>
-            <a:endParaRPr lang="en-US" b="1" dirty="0" smtClean="0">
+            <a:endParaRPr lang="en-US" b="1" dirty="0">
               <a:solidFill>
                 <a:schemeClr val="bg1"/>
               </a:solidFill>
@@ -36612,14 +36289,9 @@
           <a:lstStyle/>
           <a:p>
             <a:r>
-              <a:rPr lang="en-US" dirty="0" smtClean="0"/>
-              <a:t>span </a:t>
+              <a:rPr lang="en-US" dirty="0"/>
+              <a:t>span example</a:t>
             </a:r>
-            <a:r>
-              <a:rPr lang="en-US" dirty="0" smtClean="0"/>
-              <a:t>example</a:t>
-            </a:r>
-            <a:endParaRPr lang="en-US" dirty="0"/>
           </a:p>
         </p:txBody>
       </p:sp>
@@ -36647,7 +36319,7 @@
               <a:rPr lang="en-US" sz="11500" dirty="0">
                 <a:hlinkClick r:id="rId3"/>
               </a:rPr>
-              <a:t>https://repl.it/repls/SoggyMistyroseDrupal</a:t>
+              <a:t>https://replit.com/@HylandOutreach/SpanExample</a:t>
             </a:r>
             <a:endParaRPr lang="en-US" sz="13800" dirty="0"/>
           </a:p>
@@ -36666,13 +36338,6 @@
   <p:transition>
     <p:fade/>
   </p:transition>
-  <p:timing>
-    <p:tnLst>
-      <p:par>
-        <p:cTn id="1" dur="indefinite" restart="never" nodeType="tmRoot"/>
-      </p:par>
-    </p:tnLst>
-  </p:timing>
 </p:sld>
 </file>
 
@@ -36719,11 +36384,11 @@
           <a:lstStyle/>
           <a:p>
             <a:r>
-              <a:rPr lang="en-US" dirty="0" smtClean="0"/>
+              <a:rPr lang="en-US" dirty="0"/>
               <a:t>The </a:t>
             </a:r>
             <a:r>
-              <a:rPr lang="en-US" sz="4000" cap="none" dirty="0" smtClean="0">
+              <a:rPr lang="en-US" sz="4000" cap="none" dirty="0">
                 <a:solidFill>
                   <a:schemeClr val="accent1">
                     <a:lumMod val="20000"/>
@@ -36735,14 +36400,9 @@
               <a:t>div</a:t>
             </a:r>
             <a:r>
-              <a:rPr lang="en-US" dirty="0" smtClean="0"/>
-              <a:t> </a:t>
+              <a:rPr lang="en-US" dirty="0"/>
+              <a:t> Element</a:t>
             </a:r>
-            <a:r>
-              <a:rPr lang="en-US" dirty="0" smtClean="0"/>
-              <a:t>Element</a:t>
-            </a:r>
-            <a:endParaRPr lang="en-US" dirty="0"/>
           </a:p>
         </p:txBody>
       </p:sp>
@@ -36769,7 +36429,7 @@
           <a:lstStyle/>
           <a:p>
             <a:r>
-              <a:rPr lang="en-US" dirty="0" smtClean="0">
+              <a:rPr lang="en-US" dirty="0">
                 <a:solidFill>
                   <a:schemeClr val="bg1"/>
                 </a:solidFill>
@@ -36778,7 +36438,7 @@
             </a:r>
           </a:p>
           <a:p>
-            <a:endParaRPr lang="en-US" dirty="0" smtClean="0">
+            <a:endParaRPr lang="en-US" dirty="0">
               <a:solidFill>
                 <a:schemeClr val="bg1"/>
               </a:solidFill>
@@ -36786,21 +36446,16 @@
           </a:p>
           <a:p>
             <a:r>
-              <a:rPr lang="en-US" dirty="0" smtClean="0">
+              <a:rPr lang="en-US" dirty="0">
                 <a:solidFill>
                   <a:schemeClr val="bg1"/>
                 </a:solidFill>
               </a:rPr>
               <a:t>One of the most basic HTML elements</a:t>
             </a:r>
-            <a:endParaRPr lang="en-US" dirty="0" smtClean="0">
-              <a:solidFill>
-                <a:schemeClr val="bg1"/>
-              </a:solidFill>
-            </a:endParaRPr>
           </a:p>
           <a:p>
-            <a:endParaRPr lang="en-US" dirty="0" smtClean="0">
+            <a:endParaRPr lang="en-US" dirty="0">
               <a:solidFill>
                 <a:schemeClr val="bg1"/>
               </a:solidFill>
@@ -36808,7 +36463,7 @@
           </a:p>
           <a:p>
             <a:r>
-              <a:rPr lang="en-US" dirty="0" smtClean="0">
+              <a:rPr lang="en-US" dirty="0">
                 <a:solidFill>
                   <a:schemeClr val="bg1"/>
                 </a:solidFill>
@@ -36817,7 +36472,7 @@
             </a:r>
           </a:p>
           <a:p>
-            <a:endParaRPr lang="en-US" dirty="0" smtClean="0">
+            <a:endParaRPr lang="en-US" dirty="0">
               <a:solidFill>
                 <a:schemeClr val="bg1"/>
               </a:solidFill>
@@ -36825,7 +36480,7 @@
           </a:p>
           <a:p>
             <a:r>
-              <a:rPr lang="en-US" dirty="0" smtClean="0">
+              <a:rPr lang="en-US" dirty="0">
                 <a:solidFill>
                   <a:schemeClr val="bg1"/>
                 </a:solidFill>
@@ -36833,7 +36488,7 @@
               <a:t>A </a:t>
             </a:r>
             <a:r>
-              <a:rPr lang="en-US" i="1" dirty="0" smtClean="0">
+              <a:rPr lang="en-US" i="1" dirty="0">
                 <a:solidFill>
                   <a:schemeClr val="bg1"/>
                 </a:solidFill>
@@ -36841,7 +36496,7 @@
               <a:t>block-level</a:t>
             </a:r>
             <a:r>
-              <a:rPr lang="en-US" dirty="0" smtClean="0">
+              <a:rPr lang="en-US" dirty="0">
                 <a:solidFill>
                   <a:schemeClr val="bg1"/>
                 </a:solidFill>
@@ -36852,18 +36507,13 @@
           <a:p>
             <a:pPr lvl="1"/>
             <a:r>
-              <a:rPr lang="en-US" dirty="0" smtClean="0">
+              <a:rPr lang="en-US" dirty="0">
                 <a:solidFill>
                   <a:schemeClr val="bg1"/>
                 </a:solidFill>
               </a:rPr>
               <a:t>This means it adds a new line on the top and bottom</a:t>
             </a:r>
-            <a:endParaRPr lang="en-US" dirty="0">
-              <a:solidFill>
-                <a:schemeClr val="bg1"/>
-              </a:solidFill>
-            </a:endParaRPr>
           </a:p>
         </p:txBody>
       </p:sp>
@@ -37236,14 +36886,13 @@
           <a:lstStyle/>
           <a:p>
             <a:r>
-              <a:rPr lang="en-US" dirty="0" err="1" smtClean="0"/>
+              <a:rPr lang="en-US" dirty="0" err="1"/>
               <a:t>Div</a:t>
             </a:r>
             <a:r>
-              <a:rPr lang="en-US" dirty="0" smtClean="0"/>
+              <a:rPr lang="en-US" dirty="0"/>
               <a:t> example</a:t>
             </a:r>
-            <a:endParaRPr lang="en-US" dirty="0"/>
           </a:p>
         </p:txBody>
       </p:sp>
@@ -37268,7 +36917,7 @@
               <a:buNone/>
             </a:pPr>
             <a:r>
-              <a:rPr lang="en-US" dirty="0" smtClean="0">
+              <a:rPr lang="en-US" dirty="0">
                 <a:solidFill>
                   <a:srgbClr val="800000"/>
                 </a:solidFill>
@@ -37277,22 +36926,13 @@
               <a:t>.box</a:t>
             </a:r>
             <a:r>
-              <a:rPr lang="en-US" dirty="0" smtClean="0">
-                <a:solidFill>
-                  <a:srgbClr val="000000"/>
-                </a:solidFill>
-                <a:latin typeface="Consolas" panose="020B0609020204030204" pitchFamily="49" charset="0"/>
-              </a:rPr>
-              <a:t> </a:t>
-            </a:r>
-            <a:r>
               <a:rPr lang="en-US" dirty="0">
                 <a:solidFill>
                   <a:srgbClr val="000000"/>
                 </a:solidFill>
                 <a:latin typeface="Consolas" panose="020B0609020204030204" pitchFamily="49" charset="0"/>
               </a:rPr>
-              <a:t>{</a:t>
+              <a:t> {</a:t>
             </a:r>
           </a:p>
           <a:p>
@@ -37395,15 +37035,6 @@
             <a:pPr marL="0" indent="0">
               <a:buNone/>
             </a:pPr>
-            <a:r>
-              <a:rPr lang="en-US" dirty="0">
-                <a:solidFill>
-                  <a:srgbClr val="000000"/>
-                </a:solidFill>
-                <a:latin typeface="Consolas" panose="020B0609020204030204" pitchFamily="49" charset="0"/>
-              </a:rPr>
-              <a:t/>
-            </a:r>
             <a:br>
               <a:rPr lang="en-US" dirty="0">
                 <a:solidFill>
@@ -37490,15 +37121,6 @@
             <a:pPr marL="0" indent="0">
               <a:buNone/>
             </a:pPr>
-            <a:r>
-              <a:rPr lang="en-US" dirty="0">
-                <a:solidFill>
-                  <a:srgbClr val="000000"/>
-                </a:solidFill>
-                <a:latin typeface="Consolas" panose="020B0609020204030204" pitchFamily="49" charset="0"/>
-              </a:rPr>
-              <a:t/>
-            </a:r>
             <a:br>
               <a:rPr lang="en-US" dirty="0">
                 <a:solidFill>
@@ -37732,22 +37354,13 @@
               <a:t>&gt;</a:t>
             </a:r>
             <a:r>
-              <a:rPr lang="en-US" dirty="0" smtClean="0">
-                <a:solidFill>
-                  <a:srgbClr val="000000"/>
-                </a:solidFill>
-                <a:latin typeface="Consolas" panose="020B0609020204030204" pitchFamily="49" charset="0"/>
-              </a:rPr>
-              <a:t>I'm </a:t>
-            </a:r>
-            <a:r>
               <a:rPr lang="en-US" dirty="0">
                 <a:solidFill>
                   <a:srgbClr val="000000"/>
                 </a:solidFill>
                 <a:latin typeface="Consolas" panose="020B0609020204030204" pitchFamily="49" charset="0"/>
               </a:rPr>
-              <a:t>on top</a:t>
+              <a:t>I'm on top</a:t>
             </a:r>
             <a:r>
               <a:rPr lang="en-US" dirty="0">
@@ -37860,22 +37473,13 @@
               <a:t>&gt;</a:t>
             </a:r>
             <a:r>
-              <a:rPr lang="en-US" dirty="0" smtClean="0">
-                <a:solidFill>
-                  <a:srgbClr val="000000"/>
-                </a:solidFill>
-                <a:latin typeface="Consolas" panose="020B0609020204030204" pitchFamily="49" charset="0"/>
-              </a:rPr>
-              <a:t>I'm </a:t>
-            </a:r>
-            <a:r>
               <a:rPr lang="en-US" dirty="0">
                 <a:solidFill>
                   <a:srgbClr val="000000"/>
                 </a:solidFill>
                 <a:latin typeface="Consolas" panose="020B0609020204030204" pitchFamily="49" charset="0"/>
               </a:rPr>
-              <a:t>on the bottom</a:t>
+              <a:t>I'm on the bottom</a:t>
             </a:r>
             <a:r>
               <a:rPr lang="en-US" dirty="0">
@@ -37884,16 +37488,7 @@
                 </a:solidFill>
                 <a:latin typeface="Consolas" panose="020B0609020204030204" pitchFamily="49" charset="0"/>
               </a:rPr>
-              <a:t>&lt;/div</a:t>
-            </a:r>
-            <a:r>
-              <a:rPr lang="en-US" dirty="0" smtClean="0">
-                <a:solidFill>
-                  <a:srgbClr val="800000"/>
-                </a:solidFill>
-                <a:latin typeface="Consolas" panose="020B0609020204030204" pitchFamily="49" charset="0"/>
-              </a:rPr>
-              <a:t>&gt;</a:t>
+              <a:t>&lt;/div&gt;</a:t>
             </a:r>
             <a:endParaRPr lang="en-US" dirty="0">
               <a:solidFill>
@@ -37912,8 +37507,8 @@
         </p:nvSpPr>
         <p:spPr bwMode="auto">
           <a:xfrm>
-            <a:off x="6096000" y="1371600"/>
-            <a:ext cx="5372100" cy="4114800"/>
+            <a:off x="4838700" y="1371600"/>
+            <a:ext cx="6629400" cy="3314700"/>
           </a:xfrm>
           <a:prstGeom prst="rect">
             <a:avLst/>
@@ -37969,9 +37564,9 @@
               <a:rPr lang="en-US" sz="6600" dirty="0">
                 <a:hlinkClick r:id="rId3"/>
               </a:rPr>
-              <a:t>https://repl.it/repls/GainsboroUnwelcomeLanserver</a:t>
+              <a:t>https://replit.com/@HylandOutreach/DivExample</a:t>
             </a:r>
-            <a:endParaRPr lang="en-US" sz="6600" dirty="0" smtClean="0">
+            <a:endParaRPr lang="en-US" sz="6600" dirty="0">
               <a:gradFill>
                 <a:gsLst>
                   <a:gs pos="0">

--- a/Week07/MoreHtml.pptx
+++ b/Week07/MoreHtml.pptx
@@ -5224,7 +5224,7 @@
           <a:p>
             <a:fld id="{5958763E-B898-436D-883D-03711491D54A}" type="datetimeFigureOut">
               <a:rPr lang="en-US" smtClean="0"/>
-              <a:t>2/9/2023</a:t>
+              <a:t>6/25/2024</a:t>
             </a:fld>
             <a:endParaRPr lang="en-US"/>
           </a:p>
@@ -7883,21 +7883,18 @@
                 <a:solidFill>
                   <a:schemeClr val="bg1"/>
                 </a:solidFill>
-                <a:hlinkClick r:id="rId3">
-                  <a:extLst>
-                    <a:ext uri="{A12FA001-AC4F-418D-AE19-62706E023703}">
-                      <ahyp:hlinkClr xmlns:ahyp="http://schemas.microsoft.com/office/drawing/2018/hyperlinkcolor" val="tx"/>
-                    </a:ext>
-                  </a:extLst>
-                </a:hlinkClick>
-              </a:rPr>
-              <a:t>https://replit.com/@HylandOutreach/SpanExample</a:t>
-            </a:r>
-            <a:endParaRPr lang="en-US" sz="2400" b="1" dirty="0">
-              <a:solidFill>
-                <a:schemeClr val="bg1"/>
-              </a:solidFill>
-            </a:endParaRPr>
+                <a:hlinkClick r:id="rId3"/>
+              </a:rPr>
+              <a:t>https://glitch.com/edit/#!/spanexample</a:t>
+            </a:r>
+            <a:r>
+              <a:rPr lang="en-US" sz="2400" b="1" dirty="0">
+                <a:solidFill>
+                  <a:schemeClr val="bg1"/>
+                </a:solidFill>
+              </a:rPr>
+              <a:t> </a:t>
+            </a:r>
           </a:p>
         </p:txBody>
       </p:sp>

--- a/Week07/MoreHtml.pptx
+++ b/Week07/MoreHtml.pptx
@@ -5224,7 +5224,7 @@
           <a:p>
             <a:fld id="{5958763E-B898-436D-883D-03711491D54A}" type="datetimeFigureOut">
               <a:rPr lang="en-US" smtClean="0"/>
-              <a:t>6/25/2024</a:t>
+              <a:t>6/26/2024</a:t>
             </a:fld>
             <a:endParaRPr lang="en-US"/>
           </a:p>
@@ -7883,15 +7883,21 @@
                 <a:solidFill>
                   <a:schemeClr val="bg1"/>
                 </a:solidFill>
+                <a:highlight>
+                  <a:srgbClr val="C0C0C0"/>
+                </a:highlight>
                 <a:hlinkClick r:id="rId3"/>
               </a:rPr>
-              <a:t>https://glitch.com/edit/#!/spanexample</a:t>
+              <a:t>https://glitch.com/edit/#!/remix/spanexample</a:t>
             </a:r>
             <a:r>
               <a:rPr lang="en-US" sz="2400" b="1" dirty="0">
                 <a:solidFill>
                   <a:schemeClr val="bg1"/>
                 </a:solidFill>
+                <a:highlight>
+                  <a:srgbClr val="C0C0C0"/>
+                </a:highlight>
               </a:rPr>
               <a:t> </a:t>
             </a:r>
@@ -9033,7 +9039,14 @@
                 <a:cs typeface="Miriam Libre" panose="00000500000000000000" pitchFamily="2" charset="-79"/>
                 <a:hlinkClick r:id="rId3"/>
               </a:rPr>
-              <a:t>https://replit.com/@HylandOutreach/DivExample</a:t>
+              <a:t>https://glitch.com/edit/#!/remix/divexample</a:t>
+            </a:r>
+            <a:r>
+              <a:rPr lang="en-US" sz="2800" dirty="0">
+                <a:latin typeface="Miriam Libre" panose="00000500000000000000" pitchFamily="2" charset="-79"/>
+                <a:cs typeface="Miriam Libre" panose="00000500000000000000" pitchFamily="2" charset="-79"/>
+              </a:rPr>
+              <a:t> </a:t>
             </a:r>
             <a:endParaRPr lang="en-US" sz="2800" dirty="0">
               <a:gradFill>

--- a/Week07/MoreHtml.pptx
+++ b/Week07/MoreHtml.pptx
@@ -5224,7 +5224,7 @@
           <a:p>
             <a:fld id="{5958763E-B898-436D-883D-03711491D54A}" type="datetimeFigureOut">
               <a:rPr lang="en-US" smtClean="0"/>
-              <a:t>2/9/2023</a:t>
+              <a:t>6/26/2024</a:t>
             </a:fld>
             <a:endParaRPr lang="en-US"/>
           </a:p>
@@ -7883,21 +7883,24 @@
                 <a:solidFill>
                   <a:schemeClr val="bg1"/>
                 </a:solidFill>
-                <a:hlinkClick r:id="rId3">
-                  <a:extLst>
-                    <a:ext uri="{A12FA001-AC4F-418D-AE19-62706E023703}">
-                      <ahyp:hlinkClr xmlns:ahyp="http://schemas.microsoft.com/office/drawing/2018/hyperlinkcolor" val="tx"/>
-                    </a:ext>
-                  </a:extLst>
-                </a:hlinkClick>
-              </a:rPr>
-              <a:t>https://replit.com/@HylandOutreach/SpanExample</a:t>
-            </a:r>
-            <a:endParaRPr lang="en-US" sz="2400" b="1" dirty="0">
-              <a:solidFill>
-                <a:schemeClr val="bg1"/>
-              </a:solidFill>
-            </a:endParaRPr>
+                <a:highlight>
+                  <a:srgbClr val="C0C0C0"/>
+                </a:highlight>
+                <a:hlinkClick r:id="rId3"/>
+              </a:rPr>
+              <a:t>https://glitch.com/edit/#!/remix/spanexample</a:t>
+            </a:r>
+            <a:r>
+              <a:rPr lang="en-US" sz="2400" b="1" dirty="0">
+                <a:solidFill>
+                  <a:schemeClr val="bg1"/>
+                </a:solidFill>
+                <a:highlight>
+                  <a:srgbClr val="C0C0C0"/>
+                </a:highlight>
+              </a:rPr>
+              <a:t> </a:t>
+            </a:r>
           </a:p>
         </p:txBody>
       </p:sp>
@@ -9036,7 +9039,14 @@
                 <a:cs typeface="Miriam Libre" panose="00000500000000000000" pitchFamily="2" charset="-79"/>
                 <a:hlinkClick r:id="rId3"/>
               </a:rPr>
-              <a:t>https://replit.com/@HylandOutreach/DivExample</a:t>
+              <a:t>https://glitch.com/edit/#!/remix/divexample</a:t>
+            </a:r>
+            <a:r>
+              <a:rPr lang="en-US" sz="2800" dirty="0">
+                <a:latin typeface="Miriam Libre" panose="00000500000000000000" pitchFamily="2" charset="-79"/>
+                <a:cs typeface="Miriam Libre" panose="00000500000000000000" pitchFamily="2" charset="-79"/>
+              </a:rPr>
+              <a:t> </a:t>
             </a:r>
             <a:endParaRPr lang="en-US" sz="2800" dirty="0">
               <a:gradFill>

--- a/Week07/MoreHtml.pptx
+++ b/Week07/MoreHtml.pptx
@@ -5224,7 +5224,7 @@
           <a:p>
             <a:fld id="{5958763E-B898-436D-883D-03711491D54A}" type="datetimeFigureOut">
               <a:rPr lang="en-US" smtClean="0"/>
-              <a:t>6/26/2024</a:t>
+              <a:t>2/9/2023</a:t>
             </a:fld>
             <a:endParaRPr lang="en-US"/>
           </a:p>
@@ -7883,24 +7883,21 @@
                 <a:solidFill>
                   <a:schemeClr val="bg1"/>
                 </a:solidFill>
-                <a:highlight>
-                  <a:srgbClr val="C0C0C0"/>
-                </a:highlight>
-                <a:hlinkClick r:id="rId3"/>
-              </a:rPr>
-              <a:t>https://glitch.com/edit/#!/remix/spanexample</a:t>
-            </a:r>
-            <a:r>
-              <a:rPr lang="en-US" sz="2400" b="1" dirty="0">
-                <a:solidFill>
-                  <a:schemeClr val="bg1"/>
-                </a:solidFill>
-                <a:highlight>
-                  <a:srgbClr val="C0C0C0"/>
-                </a:highlight>
-              </a:rPr>
-              <a:t> </a:t>
-            </a:r>
+                <a:hlinkClick r:id="rId3">
+                  <a:extLst>
+                    <a:ext uri="{A12FA001-AC4F-418D-AE19-62706E023703}">
+                      <ahyp:hlinkClr xmlns:ahyp="http://schemas.microsoft.com/office/drawing/2018/hyperlinkcolor" val="tx"/>
+                    </a:ext>
+                  </a:extLst>
+                </a:hlinkClick>
+              </a:rPr>
+              <a:t>https://replit.com/@HylandOutreach/SpanExample</a:t>
+            </a:r>
+            <a:endParaRPr lang="en-US" sz="2400" b="1" dirty="0">
+              <a:solidFill>
+                <a:schemeClr val="bg1"/>
+              </a:solidFill>
+            </a:endParaRPr>
           </a:p>
         </p:txBody>
       </p:sp>
@@ -9039,14 +9036,7 @@
                 <a:cs typeface="Miriam Libre" panose="00000500000000000000" pitchFamily="2" charset="-79"/>
                 <a:hlinkClick r:id="rId3"/>
               </a:rPr>
-              <a:t>https://glitch.com/edit/#!/remix/divexample</a:t>
-            </a:r>
-            <a:r>
-              <a:rPr lang="en-US" sz="2800" dirty="0">
-                <a:latin typeface="Miriam Libre" panose="00000500000000000000" pitchFamily="2" charset="-79"/>
-                <a:cs typeface="Miriam Libre" panose="00000500000000000000" pitchFamily="2" charset="-79"/>
-              </a:rPr>
-              <a:t> </a:t>
+              <a:t>https://replit.com/@HylandOutreach/DivExample</a:t>
             </a:r>
             <a:endParaRPr lang="en-US" sz="2800" dirty="0">
               <a:gradFill>

--- a/Week07/MoreHtml.pptx
+++ b/Week07/MoreHtml.pptx
@@ -5224,7 +5224,7 @@
           <a:p>
             <a:fld id="{5958763E-B898-436D-883D-03711491D54A}" type="datetimeFigureOut">
               <a:rPr lang="en-US" smtClean="0"/>
-              <a:t>2/9/2023</a:t>
+              <a:t>7/3/2024</a:t>
             </a:fld>
             <a:endParaRPr lang="en-US"/>
           </a:p>
@@ -7124,17 +7124,6 @@
               </a:rPr>
               <a:t>Usually used to style a small part of something bigger</a:t>
             </a:r>
-            <a:endParaRPr lang="en-US" sz="1800" dirty="0">
-              <a:solidFill>
-                <a:srgbClr val="D7BA7D"/>
-              </a:solidFill>
-              <a:latin typeface="Consolas" panose="020B0609020204030204" pitchFamily="49" charset="0"/>
-            </a:endParaRPr>
-          </a:p>
-          <a:p>
-            <a:pPr marL="42863" indent="0">
-              <a:buNone/>
-            </a:pPr>
             <a:endParaRPr lang="en-US" dirty="0">
               <a:solidFill>
                 <a:srgbClr val="D7BA7D"/>
@@ -7146,28 +7135,6 @@
             <a:pPr marL="42863" indent="0">
               <a:buNone/>
             </a:pPr>
-            <a:endParaRPr lang="en-US" dirty="0">
-              <a:solidFill>
-                <a:srgbClr val="D7BA7D"/>
-              </a:solidFill>
-              <a:latin typeface="Consolas" panose="020B0609020204030204" pitchFamily="49" charset="0"/>
-            </a:endParaRPr>
-          </a:p>
-          <a:p>
-            <a:pPr marL="42863" indent="0">
-              <a:buNone/>
-            </a:pPr>
-            <a:endParaRPr lang="en-US" dirty="0">
-              <a:solidFill>
-                <a:srgbClr val="D7BA7D"/>
-              </a:solidFill>
-              <a:latin typeface="Consolas" panose="020B0609020204030204" pitchFamily="49" charset="0"/>
-            </a:endParaRPr>
-          </a:p>
-          <a:p>
-            <a:pPr marL="42863" indent="0">
-              <a:buNone/>
-            </a:pPr>
             <a:r>
               <a:rPr lang="en-US" sz="2000" b="1" dirty="0">
                 <a:solidFill>
@@ -7453,6 +7420,75 @@
                 <a:schemeClr val="bg1"/>
               </a:solidFill>
             </a:endParaRPr>
+          </a:p>
+        </p:txBody>
+      </p:sp>
+      <p:pic>
+        <p:nvPicPr>
+          <p:cNvPr id="6" name="Picture 5">
+            <a:extLst>
+              <a:ext uri="{FF2B5EF4-FFF2-40B4-BE49-F238E27FC236}">
+                <a16:creationId xmlns:a16="http://schemas.microsoft.com/office/drawing/2014/main" id="{C2A20544-9E0F-552D-076D-A64ABCC26BB3}"/>
+              </a:ext>
+            </a:extLst>
+          </p:cNvPr>
+          <p:cNvPicPr>
+            <a:picLocks noChangeAspect="1"/>
+          </p:cNvPicPr>
+          <p:nvPr/>
+        </p:nvPicPr>
+        <p:blipFill>
+          <a:blip r:embed="rId2"/>
+          <a:stretch>
+            <a:fillRect/>
+          </a:stretch>
+        </p:blipFill>
+        <p:spPr>
+          <a:xfrm>
+            <a:off x="2260661" y="4078101"/>
+            <a:ext cx="5160559" cy="456048"/>
+          </a:xfrm>
+          <a:prstGeom prst="rect">
+            <a:avLst/>
+          </a:prstGeom>
+        </p:spPr>
+      </p:pic>
+      <p:sp>
+        <p:nvSpPr>
+          <p:cNvPr id="8" name="TextBox 7">
+            <a:extLst>
+              <a:ext uri="{FF2B5EF4-FFF2-40B4-BE49-F238E27FC236}">
+                <a16:creationId xmlns:a16="http://schemas.microsoft.com/office/drawing/2014/main" id="{D0133762-7741-AEBC-F783-700D9BB22671}"/>
+              </a:ext>
+            </a:extLst>
+          </p:cNvPr>
+          <p:cNvSpPr txBox="1"/>
+          <p:nvPr/>
+        </p:nvSpPr>
+        <p:spPr>
+          <a:xfrm>
+            <a:off x="2708621" y="3713874"/>
+            <a:ext cx="4572000" cy="307777"/>
+          </a:xfrm>
+          <a:prstGeom prst="rect">
+            <a:avLst/>
+          </a:prstGeom>
+          <a:noFill/>
+        </p:spPr>
+        <p:txBody>
+          <a:bodyPr wrap="square">
+            <a:spAutoFit/>
+          </a:bodyPr>
+          <a:lstStyle/>
+          <a:p>
+            <a:r>
+              <a:rPr lang="en-US" dirty="0">
+                <a:solidFill>
+                  <a:schemeClr val="bg1"/>
+                </a:solidFill>
+              </a:rPr>
+              <a:t>Span makes it so that only the word inside is blue </a:t>
+            </a:r>
           </a:p>
         </p:txBody>
       </p:sp>
@@ -7624,7 +7660,7 @@
                                         <p:tgtEl>
                                           <p:spTgt spid="3">
                                             <p:txEl>
-                                              <p:pRg st="5" end="5"/>
+                                              <p:pRg st="2" end="2"/>
                                             </p:txEl>
                                           </p:spTgt>
                                         </p:tgtEl>
@@ -7642,7 +7678,7 @@
                                         <p:tgtEl>
                                           <p:spTgt spid="3">
                                             <p:txEl>
-                                              <p:pRg st="5" end="5"/>
+                                              <p:pRg st="2" end="2"/>
                                             </p:txEl>
                                           </p:spTgt>
                                         </p:tgtEl>
@@ -7667,7 +7703,7 @@
                                         <p:tgtEl>
                                           <p:spTgt spid="3">
                                             <p:txEl>
-                                              <p:pRg st="6" end="6"/>
+                                              <p:pRg st="3" end="3"/>
                                             </p:txEl>
                                           </p:spTgt>
                                         </p:tgtEl>
@@ -7685,7 +7721,7 @@
                                         <p:tgtEl>
                                           <p:spTgt spid="3">
                                             <p:txEl>
-                                              <p:pRg st="6" end="6"/>
+                                              <p:pRg st="3" end="3"/>
                                             </p:txEl>
                                           </p:spTgt>
                                         </p:tgtEl>
@@ -7710,7 +7746,7 @@
                                         <p:tgtEl>
                                           <p:spTgt spid="3">
                                             <p:txEl>
-                                              <p:pRg st="7" end="7"/>
+                                              <p:pRg st="4" end="4"/>
                                             </p:txEl>
                                           </p:spTgt>
                                         </p:tgtEl>
@@ -7728,7 +7764,7 @@
                                         <p:tgtEl>
                                           <p:spTgt spid="3">
                                             <p:txEl>
-                                              <p:pRg st="7" end="7"/>
+                                              <p:pRg st="4" end="4"/>
                                             </p:txEl>
                                           </p:spTgt>
                                         </p:tgtEl>
@@ -7753,7 +7789,7 @@
                                         <p:tgtEl>
                                           <p:spTgt spid="3">
                                             <p:txEl>
-                                              <p:pRg st="9" end="9"/>
+                                              <p:pRg st="6" end="6"/>
                                             </p:txEl>
                                           </p:spTgt>
                                         </p:tgtEl>
@@ -7771,7 +7807,7 @@
                                         <p:tgtEl>
                                           <p:spTgt spid="3">
                                             <p:txEl>
-                                              <p:pRg st="9" end="9"/>
+                                              <p:pRg st="6" end="6"/>
                                             </p:txEl>
                                           </p:spTgt>
                                         </p:tgtEl>

--- a/Week07/MoreHtml.pptx
+++ b/Week07/MoreHtml.pptx
@@ -5224,7 +5224,7 @@
           <a:p>
             <a:fld id="{5958763E-B898-436D-883D-03711491D54A}" type="datetimeFigureOut">
               <a:rPr lang="en-US" smtClean="0"/>
-              <a:t>2/9/2023</a:t>
+              <a:t>8/21/2024</a:t>
             </a:fld>
             <a:endParaRPr lang="en-US"/>
           </a:p>
@@ -7122,19 +7122,16 @@
                   <a:schemeClr val="bg1"/>
                 </a:solidFill>
               </a:rPr>
-              <a:t>Usually used to style a small part of something bigger</a:t>
-            </a:r>
-            <a:endParaRPr lang="en-US" sz="1800" dirty="0">
-              <a:solidFill>
-                <a:srgbClr val="D7BA7D"/>
-              </a:solidFill>
-              <a:latin typeface="Consolas" panose="020B0609020204030204" pitchFamily="49" charset="0"/>
-            </a:endParaRPr>
-          </a:p>
-          <a:p>
-            <a:pPr marL="42863" indent="0">
-              <a:buNone/>
-            </a:pPr>
+              <a:t>Usually used to style a small part of </a:t>
+            </a:r>
+            <a:r>
+              <a:rPr lang="en-US" sz="1800">
+                <a:solidFill>
+                  <a:schemeClr val="bg1"/>
+                </a:solidFill>
+              </a:rPr>
+              <a:t>something bigger</a:t>
+            </a:r>
             <a:endParaRPr lang="en-US" dirty="0">
               <a:solidFill>
                 <a:srgbClr val="D7BA7D"/>
@@ -7146,28 +7143,6 @@
             <a:pPr marL="42863" indent="0">
               <a:buNone/>
             </a:pPr>
-            <a:endParaRPr lang="en-US" dirty="0">
-              <a:solidFill>
-                <a:srgbClr val="D7BA7D"/>
-              </a:solidFill>
-              <a:latin typeface="Consolas" panose="020B0609020204030204" pitchFamily="49" charset="0"/>
-            </a:endParaRPr>
-          </a:p>
-          <a:p>
-            <a:pPr marL="42863" indent="0">
-              <a:buNone/>
-            </a:pPr>
-            <a:endParaRPr lang="en-US" dirty="0">
-              <a:solidFill>
-                <a:srgbClr val="D7BA7D"/>
-              </a:solidFill>
-              <a:latin typeface="Consolas" panose="020B0609020204030204" pitchFamily="49" charset="0"/>
-            </a:endParaRPr>
-          </a:p>
-          <a:p>
-            <a:pPr marL="42863" indent="0">
-              <a:buNone/>
-            </a:pPr>
             <a:r>
               <a:rPr lang="en-US" sz="2000" b="1" dirty="0">
                 <a:solidFill>
@@ -7453,6 +7428,75 @@
                 <a:schemeClr val="bg1"/>
               </a:solidFill>
             </a:endParaRPr>
+          </a:p>
+        </p:txBody>
+      </p:sp>
+      <p:pic>
+        <p:nvPicPr>
+          <p:cNvPr id="5" name="Picture 4">
+            <a:extLst>
+              <a:ext uri="{FF2B5EF4-FFF2-40B4-BE49-F238E27FC236}">
+                <a16:creationId xmlns:a16="http://schemas.microsoft.com/office/drawing/2014/main" id="{BDA7A38F-A6F2-43F8-17BC-7FFCF1BC144E}"/>
+              </a:ext>
+            </a:extLst>
+          </p:cNvPr>
+          <p:cNvPicPr>
+            <a:picLocks noChangeAspect="1"/>
+          </p:cNvPicPr>
+          <p:nvPr/>
+        </p:nvPicPr>
+        <p:blipFill>
+          <a:blip r:embed="rId2"/>
+          <a:stretch>
+            <a:fillRect/>
+          </a:stretch>
+        </p:blipFill>
+        <p:spPr>
+          <a:xfrm>
+            <a:off x="2260661" y="4078101"/>
+            <a:ext cx="5160559" cy="456048"/>
+          </a:xfrm>
+          <a:prstGeom prst="rect">
+            <a:avLst/>
+          </a:prstGeom>
+        </p:spPr>
+      </p:pic>
+      <p:sp>
+        <p:nvSpPr>
+          <p:cNvPr id="6" name="TextBox 5">
+            <a:extLst>
+              <a:ext uri="{FF2B5EF4-FFF2-40B4-BE49-F238E27FC236}">
+                <a16:creationId xmlns:a16="http://schemas.microsoft.com/office/drawing/2014/main" id="{0019A4D1-32C6-3B6B-EC80-E948DA8733F2}"/>
+              </a:ext>
+            </a:extLst>
+          </p:cNvPr>
+          <p:cNvSpPr txBox="1"/>
+          <p:nvPr/>
+        </p:nvSpPr>
+        <p:spPr>
+          <a:xfrm>
+            <a:off x="2708621" y="3713874"/>
+            <a:ext cx="4572000" cy="307777"/>
+          </a:xfrm>
+          <a:prstGeom prst="rect">
+            <a:avLst/>
+          </a:prstGeom>
+          <a:noFill/>
+        </p:spPr>
+        <p:txBody>
+          <a:bodyPr wrap="square">
+            <a:spAutoFit/>
+          </a:bodyPr>
+          <a:lstStyle/>
+          <a:p>
+            <a:r>
+              <a:rPr lang="en-US" dirty="0">
+                <a:solidFill>
+                  <a:schemeClr val="bg1"/>
+                </a:solidFill>
+              </a:rPr>
+              <a:t>Span makes it so that only the word inside is blue </a:t>
+            </a:r>
           </a:p>
         </p:txBody>
       </p:sp>
@@ -7624,7 +7668,7 @@
                                         <p:tgtEl>
                                           <p:spTgt spid="3">
                                             <p:txEl>
-                                              <p:pRg st="5" end="5"/>
+                                              <p:pRg st="2" end="2"/>
                                             </p:txEl>
                                           </p:spTgt>
                                         </p:tgtEl>
@@ -7642,7 +7686,7 @@
                                         <p:tgtEl>
                                           <p:spTgt spid="3">
                                             <p:txEl>
-                                              <p:pRg st="5" end="5"/>
+                                              <p:pRg st="2" end="2"/>
                                             </p:txEl>
                                           </p:spTgt>
                                         </p:tgtEl>
@@ -7667,7 +7711,7 @@
                                         <p:tgtEl>
                                           <p:spTgt spid="3">
                                             <p:txEl>
-                                              <p:pRg st="6" end="6"/>
+                                              <p:pRg st="3" end="3"/>
                                             </p:txEl>
                                           </p:spTgt>
                                         </p:tgtEl>
@@ -7685,7 +7729,7 @@
                                         <p:tgtEl>
                                           <p:spTgt spid="3">
                                             <p:txEl>
-                                              <p:pRg st="6" end="6"/>
+                                              <p:pRg st="3" end="3"/>
                                             </p:txEl>
                                           </p:spTgt>
                                         </p:tgtEl>
@@ -7710,7 +7754,7 @@
                                         <p:tgtEl>
                                           <p:spTgt spid="3">
                                             <p:txEl>
-                                              <p:pRg st="7" end="7"/>
+                                              <p:pRg st="4" end="4"/>
                                             </p:txEl>
                                           </p:spTgt>
                                         </p:tgtEl>
@@ -7728,7 +7772,7 @@
                                         <p:tgtEl>
                                           <p:spTgt spid="3">
                                             <p:txEl>
-                                              <p:pRg st="7" end="7"/>
+                                              <p:pRg st="4" end="4"/>
                                             </p:txEl>
                                           </p:spTgt>
                                         </p:tgtEl>
@@ -7753,7 +7797,7 @@
                                         <p:tgtEl>
                                           <p:spTgt spid="3">
                                             <p:txEl>
-                                              <p:pRg st="9" end="9"/>
+                                              <p:pRg st="6" end="6"/>
                                             </p:txEl>
                                           </p:spTgt>
                                         </p:tgtEl>
@@ -7771,7 +7815,7 @@
                                         <p:tgtEl>
                                           <p:spTgt spid="3">
                                             <p:txEl>
-                                              <p:pRg st="9" end="9"/>
+                                              <p:pRg st="6" end="6"/>
                                             </p:txEl>
                                           </p:spTgt>
                                         </p:tgtEl>

--- a/Week07/MoreHtml.pptx
+++ b/Week07/MoreHtml.pptx
@@ -5224,7 +5224,7 @@
           <a:p>
             <a:fld id="{5958763E-B898-436D-883D-03711491D54A}" type="datetimeFigureOut">
               <a:rPr lang="en-US" smtClean="0"/>
-              <a:t>8/21/2024</a:t>
+              <a:t>9/4/2024</a:t>
             </a:fld>
             <a:endParaRPr lang="en-US"/>
           </a:p>
@@ -7925,7 +7925,9 @@
             <a:r>
               <a:rPr lang="en-US" sz="2400" b="1" dirty="0">
                 <a:solidFill>
-                  <a:schemeClr val="bg1"/>
+                  <a:schemeClr val="bg1">
+                    <a:lumMod val="95000"/>
+                  </a:schemeClr>
                 </a:solidFill>
                 <a:hlinkClick r:id="rId3">
                   <a:extLst>
@@ -7935,11 +7937,13 @@
                   </a:extLst>
                 </a:hlinkClick>
               </a:rPr>
-              <a:t>https://replit.com/@HylandOutreach/SpanExample</a:t>
+              <a:t>https://jsfiddle.net/f9ranj5m/</a:t>
             </a:r>
             <a:endParaRPr lang="en-US" sz="2400" b="1" dirty="0">
               <a:solidFill>
-                <a:schemeClr val="bg1"/>
+                <a:schemeClr val="bg1">
+                  <a:lumMod val="95000"/>
+                </a:schemeClr>
               </a:solidFill>
             </a:endParaRPr>
           </a:p>
@@ -9075,12 +9079,12 @@
               </a:spcAft>
             </a:pPr>
             <a:r>
-              <a:rPr lang="en-US" sz="2800" dirty="0">
+              <a:rPr lang="en-US" sz="2800">
                 <a:latin typeface="Miriam Libre" panose="00000500000000000000" pitchFamily="2" charset="-79"/>
                 <a:cs typeface="Miriam Libre" panose="00000500000000000000" pitchFamily="2" charset="-79"/>
                 <a:hlinkClick r:id="rId3"/>
               </a:rPr>
-              <a:t>https://replit.com/@HylandOutreach/DivExample</a:t>
+              <a:t>https://jsfiddle.net/w0o5uxkt/</a:t>
             </a:r>
             <a:endParaRPr lang="en-US" sz="2800" dirty="0">
               <a:gradFill>
